--- a/Recunosterea semnelor de circulatie.pptx
+++ b/Recunosterea semnelor de circulatie.pptx
@@ -430,7 +430,7 @@
           <a:p>
             <a:fld id="{12241623-A064-4BED-B073-BA4D61433402}" type="datetime1">
               <a:rPr lang="en-US" smtClean="0"/>
-              <a:t>6/1/2022</a:t>
+              <a:t>6/2/2022</a:t>
             </a:fld>
             <a:endParaRPr lang="en-US" dirty="0"/>
           </a:p>
@@ -1241,7 +1241,7 @@
           <a:p>
             <a:fld id="{6F86ED0C-1DA7-41F0-94CF-6218B1FEDFF1}" type="datetime1">
               <a:rPr lang="en-US" smtClean="0"/>
-              <a:t>6/1/2022</a:t>
+              <a:t>6/2/2022</a:t>
             </a:fld>
             <a:endParaRPr lang="en-US" dirty="0"/>
           </a:p>
@@ -1440,7 +1440,7 @@
           <a:p>
             <a:fld id="{EECF02AB-6034-4B88-BC5A-7C17CB0EF809}" type="datetime1">
               <a:rPr lang="en-US" smtClean="0"/>
-              <a:t>6/1/2022</a:t>
+              <a:t>6/2/2022</a:t>
             </a:fld>
             <a:endParaRPr lang="en-US" dirty="0"/>
           </a:p>
@@ -1675,7 +1675,7 @@
           <a:p>
             <a:fld id="{22F3E5F3-28EE-488F-BD53-B744C06C3DEC}" type="datetime1">
               <a:rPr lang="en-US" smtClean="0"/>
-              <a:t>6/1/2022</a:t>
+              <a:t>6/2/2022</a:t>
             </a:fld>
             <a:endParaRPr lang="en-US" dirty="0"/>
           </a:p>
@@ -4368,7 +4368,7 @@
           <a:p>
             <a:fld id="{E72EB70D-CD01-44DA-83B3-8FEB3383D307}" type="datetime1">
               <a:rPr lang="en-US" smtClean="0"/>
-              <a:t>6/1/2022</a:t>
+              <a:t>6/2/2022</a:t>
             </a:fld>
             <a:endParaRPr lang="en-US" dirty="0"/>
           </a:p>
@@ -4564,7 +4564,7 @@
           <a:p>
             <a:fld id="{D0158CFD-9357-46BE-A189-D637A67C8730}" type="datetime1">
               <a:rPr lang="en-US" smtClean="0"/>
-              <a:t>6/1/2022</a:t>
+              <a:t>6/2/2022</a:t>
             </a:fld>
             <a:endParaRPr lang="en-US" dirty="0"/>
           </a:p>
@@ -4953,7 +4953,7 @@
           <a:p>
             <a:fld id="{7B4742EE-B331-4632-BD10-A82FED6B6FC0}" type="datetime1">
               <a:rPr lang="en-US" smtClean="0"/>
-              <a:t>6/1/2022</a:t>
+              <a:t>6/2/2022</a:t>
             </a:fld>
             <a:endParaRPr lang="en-US" dirty="0"/>
           </a:p>
@@ -5119,7 +5119,7 @@
           <a:p>
             <a:fld id="{451BA835-D13F-49F4-8F11-5D576AC65FAD}" type="datetime1">
               <a:rPr lang="en-US" smtClean="0"/>
-              <a:t>6/1/2022</a:t>
+              <a:t>6/2/2022</a:t>
             </a:fld>
             <a:endParaRPr lang="en-US" dirty="0"/>
           </a:p>
@@ -5242,7 +5242,7 @@
           <a:p>
             <a:fld id="{ADBD1799-ACB5-4CB2-86A2-5C574F1C8706}" type="datetime1">
               <a:rPr lang="en-US" smtClean="0"/>
-              <a:t>6/1/2022</a:t>
+              <a:t>6/2/2022</a:t>
             </a:fld>
             <a:endParaRPr lang="en-US" dirty="0"/>
           </a:p>
@@ -5552,7 +5552,7 @@
           <a:p>
             <a:fld id="{ED5DD0D6-7A82-473E-879B-C6ECD6CCCFEC}" type="datetime1">
               <a:rPr lang="en-US" smtClean="0"/>
-              <a:t>6/1/2022</a:t>
+              <a:t>6/2/2022</a:t>
             </a:fld>
             <a:endParaRPr lang="en-US" dirty="0"/>
           </a:p>
@@ -5852,7 +5852,7 @@
           <a:p>
             <a:fld id="{D4605E03-BC17-41A7-854C-DFAB672737DC}" type="datetime1">
               <a:rPr lang="en-US" smtClean="0"/>
-              <a:t>6/1/2022</a:t>
+              <a:t>6/2/2022</a:t>
             </a:fld>
             <a:endParaRPr lang="en-US" dirty="0"/>
           </a:p>
@@ -6104,7 +6104,7 @@
           <a:p>
             <a:fld id="{C4408324-A84C-4A45-93B6-78D079CCE772}" type="datetime1">
               <a:rPr lang="en-US" smtClean="0"/>
-              <a:t>6/1/2022</a:t>
+              <a:t>6/2/2022</a:t>
             </a:fld>
             <a:endParaRPr lang="en-US" dirty="0"/>
           </a:p>
@@ -20262,114 +20262,6 @@
           </a:p>
         </p:txBody>
       </p:sp>
-      <p:pic>
-        <p:nvPicPr>
-          <p:cNvPr id="9" name="Picture 8" descr="Text&#10;&#10;Description automatically generated">
-            <a:extLst>
-              <a:ext uri="{FF2B5EF4-FFF2-40B4-BE49-F238E27FC236}">
-                <a16:creationId xmlns:a16="http://schemas.microsoft.com/office/drawing/2014/main" id="{A75D72A9-A839-ACEC-0F64-38B701C36EF2}"/>
-              </a:ext>
-            </a:extLst>
-          </p:cNvPr>
-          <p:cNvPicPr>
-            <a:picLocks noChangeAspect="1"/>
-          </p:cNvPicPr>
-          <p:nvPr/>
-        </p:nvPicPr>
-        <p:blipFill>
-          <a:blip r:embed="rId2">
-            <a:extLst>
-              <a:ext uri="{28A0092B-C50C-407E-A947-70E740481C1C}">
-                <a14:useLocalDpi xmlns:a14="http://schemas.microsoft.com/office/drawing/2010/main" val="0"/>
-              </a:ext>
-            </a:extLst>
-          </a:blip>
-          <a:stretch>
-            <a:fillRect/>
-          </a:stretch>
-        </p:blipFill>
-        <p:spPr>
-          <a:xfrm>
-            <a:off x="7476051" y="1429656"/>
-            <a:ext cx="4556535" cy="2619714"/>
-          </a:xfrm>
-          <a:prstGeom prst="rect">
-            <a:avLst/>
-          </a:prstGeom>
-        </p:spPr>
-      </p:pic>
-      <p:pic>
-        <p:nvPicPr>
-          <p:cNvPr id="13" name="Picture 12" descr="Graphical user interface, text, application, email&#10;&#10;Description automatically generated">
-            <a:extLst>
-              <a:ext uri="{FF2B5EF4-FFF2-40B4-BE49-F238E27FC236}">
-                <a16:creationId xmlns:a16="http://schemas.microsoft.com/office/drawing/2014/main" id="{EBB97B76-3F02-DC5E-D8D8-648DE9D6834F}"/>
-              </a:ext>
-            </a:extLst>
-          </p:cNvPr>
-          <p:cNvPicPr>
-            <a:picLocks noChangeAspect="1"/>
-          </p:cNvPicPr>
-          <p:nvPr/>
-        </p:nvPicPr>
-        <p:blipFill>
-          <a:blip r:embed="rId3">
-            <a:extLst>
-              <a:ext uri="{28A0092B-C50C-407E-A947-70E740481C1C}">
-                <a14:useLocalDpi xmlns:a14="http://schemas.microsoft.com/office/drawing/2010/main" val="0"/>
-              </a:ext>
-            </a:extLst>
-          </a:blip>
-          <a:stretch>
-            <a:fillRect/>
-          </a:stretch>
-        </p:blipFill>
-        <p:spPr>
-          <a:xfrm>
-            <a:off x="159413" y="3315812"/>
-            <a:ext cx="6218017" cy="2112531"/>
-          </a:xfrm>
-          <a:prstGeom prst="rect">
-            <a:avLst/>
-          </a:prstGeom>
-        </p:spPr>
-      </p:pic>
-      <p:pic>
-        <p:nvPicPr>
-          <p:cNvPr id="17" name="Picture 16" descr="Text&#10;&#10;Description automatically generated">
-            <a:extLst>
-              <a:ext uri="{FF2B5EF4-FFF2-40B4-BE49-F238E27FC236}">
-                <a16:creationId xmlns:a16="http://schemas.microsoft.com/office/drawing/2014/main" id="{C6C20389-028F-8016-3208-D253762770B2}"/>
-              </a:ext>
-            </a:extLst>
-          </p:cNvPr>
-          <p:cNvPicPr>
-            <a:picLocks noChangeAspect="1"/>
-          </p:cNvPicPr>
-          <p:nvPr/>
-        </p:nvPicPr>
-        <p:blipFill>
-          <a:blip r:embed="rId4">
-            <a:extLst>
-              <a:ext uri="{28A0092B-C50C-407E-A947-70E740481C1C}">
-                <a14:useLocalDpi xmlns:a14="http://schemas.microsoft.com/office/drawing/2010/main" val="0"/>
-              </a:ext>
-            </a:extLst>
-          </a:blip>
-          <a:stretch>
-            <a:fillRect/>
-          </a:stretch>
-        </p:blipFill>
-        <p:spPr>
-          <a:xfrm>
-            <a:off x="6467277" y="4953740"/>
-            <a:ext cx="5635854" cy="1798580"/>
-          </a:xfrm>
-          <a:prstGeom prst="rect">
-            <a:avLst/>
-          </a:prstGeom>
-        </p:spPr>
-      </p:pic>
       <p:sp>
         <p:nvSpPr>
           <p:cNvPr id="43" name="Arrow: Down 42">
@@ -20476,7 +20368,7 @@
         </p:nvSpPr>
         <p:spPr>
           <a:xfrm>
-            <a:off x="5643239" y="5956748"/>
+            <a:off x="5246703" y="5956748"/>
             <a:ext cx="452761" cy="186423"/>
           </a:xfrm>
           <a:prstGeom prst="rightArrow">
@@ -20504,10 +20396,118 @@
           <a:lstStyle/>
           <a:p>
             <a:pPr algn="ctr"/>
-            <a:endParaRPr lang="en-US"/>
+            <a:endParaRPr lang="en-US" dirty="0"/>
           </a:p>
         </p:txBody>
       </p:sp>
+      <p:pic>
+        <p:nvPicPr>
+          <p:cNvPr id="5" name="Picture 4" descr="Text&#10;&#10;Description automatically generated">
+            <a:extLst>
+              <a:ext uri="{FF2B5EF4-FFF2-40B4-BE49-F238E27FC236}">
+                <a16:creationId xmlns:a16="http://schemas.microsoft.com/office/drawing/2014/main" id="{21CB3D5C-916D-35D4-AA33-FBF49F848F91}"/>
+              </a:ext>
+            </a:extLst>
+          </p:cNvPr>
+          <p:cNvPicPr>
+            <a:picLocks noChangeAspect="1"/>
+          </p:cNvPicPr>
+          <p:nvPr/>
+        </p:nvPicPr>
+        <p:blipFill>
+          <a:blip r:embed="rId2">
+            <a:extLst>
+              <a:ext uri="{28A0092B-C50C-407E-A947-70E740481C1C}">
+                <a14:useLocalDpi xmlns:a14="http://schemas.microsoft.com/office/drawing/2010/main" val="0"/>
+              </a:ext>
+            </a:extLst>
+          </a:blip>
+          <a:stretch>
+            <a:fillRect/>
+          </a:stretch>
+        </p:blipFill>
+        <p:spPr>
+          <a:xfrm>
+            <a:off x="7274885" y="1210537"/>
+            <a:ext cx="4819597" cy="3057951"/>
+          </a:xfrm>
+          <a:prstGeom prst="rect">
+            <a:avLst/>
+          </a:prstGeom>
+        </p:spPr>
+      </p:pic>
+      <p:pic>
+        <p:nvPicPr>
+          <p:cNvPr id="7" name="Picture 6" descr="Text, application&#10;&#10;Description automatically generated">
+            <a:extLst>
+              <a:ext uri="{FF2B5EF4-FFF2-40B4-BE49-F238E27FC236}">
+                <a16:creationId xmlns:a16="http://schemas.microsoft.com/office/drawing/2014/main" id="{83FBA03C-46C6-FA3B-1CE9-76683A58EF9B}"/>
+              </a:ext>
+            </a:extLst>
+          </p:cNvPr>
+          <p:cNvPicPr>
+            <a:picLocks noChangeAspect="1"/>
+          </p:cNvPicPr>
+          <p:nvPr/>
+        </p:nvPicPr>
+        <p:blipFill>
+          <a:blip r:embed="rId3">
+            <a:extLst>
+              <a:ext uri="{28A0092B-C50C-407E-A947-70E740481C1C}">
+                <a14:useLocalDpi xmlns:a14="http://schemas.microsoft.com/office/drawing/2010/main" val="0"/>
+              </a:ext>
+            </a:extLst>
+          </a:blip>
+          <a:stretch>
+            <a:fillRect/>
+          </a:stretch>
+        </p:blipFill>
+        <p:spPr>
+          <a:xfrm>
+            <a:off x="6131406" y="4886861"/>
+            <a:ext cx="6060594" cy="1971139"/>
+          </a:xfrm>
+          <a:prstGeom prst="rect">
+            <a:avLst/>
+          </a:prstGeom>
+        </p:spPr>
+      </p:pic>
+      <p:pic>
+        <p:nvPicPr>
+          <p:cNvPr id="10" name="Picture 9" descr="Graphical user interface, text, application, email&#10;&#10;Description automatically generated">
+            <a:extLst>
+              <a:ext uri="{FF2B5EF4-FFF2-40B4-BE49-F238E27FC236}">
+                <a16:creationId xmlns:a16="http://schemas.microsoft.com/office/drawing/2014/main" id="{CC6F6C1E-EEB2-5EFB-8D27-2F58A4D5C51A}"/>
+              </a:ext>
+            </a:extLst>
+          </p:cNvPr>
+          <p:cNvPicPr>
+            <a:picLocks noChangeAspect="1"/>
+          </p:cNvPicPr>
+          <p:nvPr/>
+        </p:nvPicPr>
+        <p:blipFill>
+          <a:blip r:embed="rId4">
+            <a:extLst>
+              <a:ext uri="{28A0092B-C50C-407E-A947-70E740481C1C}">
+                <a14:useLocalDpi xmlns:a14="http://schemas.microsoft.com/office/drawing/2010/main" val="0"/>
+              </a:ext>
+            </a:extLst>
+          </a:blip>
+          <a:stretch>
+            <a:fillRect/>
+          </a:stretch>
+        </p:blipFill>
+        <p:spPr>
+          <a:xfrm>
+            <a:off x="97518" y="3152983"/>
+            <a:ext cx="6002240" cy="2275359"/>
+          </a:xfrm>
+          <a:prstGeom prst="rect">
+            <a:avLst/>
+          </a:prstGeom>
+        </p:spPr>
+      </p:pic>
     </p:spTree>
     <p:extLst>
       <p:ext uri="{BB962C8B-B14F-4D97-AF65-F5344CB8AC3E}">
@@ -21675,7 +21675,7 @@
             </a:r>
             <a:r>
               <a:rPr lang="en-US" sz="1400" dirty="0"/>
-              <a:t> (30) ;</a:t>
+              <a:t> (10) ;</a:t>
             </a:r>
           </a:p>
           <a:p>
@@ -21726,78 +21726,6 @@
           </a:p>
         </p:txBody>
       </p:sp>
-      <p:pic>
-        <p:nvPicPr>
-          <p:cNvPr id="6" name="Picture 5" descr="Table&#10;&#10;Description automatically generated">
-            <a:extLst>
-              <a:ext uri="{FF2B5EF4-FFF2-40B4-BE49-F238E27FC236}">
-                <a16:creationId xmlns:a16="http://schemas.microsoft.com/office/drawing/2014/main" id="{B6A2AAD2-013A-8E4F-D00B-6CA5EF749019}"/>
-              </a:ext>
-            </a:extLst>
-          </p:cNvPr>
-          <p:cNvPicPr>
-            <a:picLocks noChangeAspect="1"/>
-          </p:cNvPicPr>
-          <p:nvPr/>
-        </p:nvPicPr>
-        <p:blipFill>
-          <a:blip r:embed="rId2">
-            <a:extLst>
-              <a:ext uri="{28A0092B-C50C-407E-A947-70E740481C1C}">
-                <a14:useLocalDpi xmlns:a14="http://schemas.microsoft.com/office/drawing/2010/main" val="0"/>
-              </a:ext>
-            </a:extLst>
-          </a:blip>
-          <a:stretch>
-            <a:fillRect/>
-          </a:stretch>
-        </p:blipFill>
-        <p:spPr>
-          <a:xfrm>
-            <a:off x="200996" y="2543623"/>
-            <a:ext cx="6197074" cy="3860637"/>
-          </a:xfrm>
-          <a:prstGeom prst="rect">
-            <a:avLst/>
-          </a:prstGeom>
-        </p:spPr>
-      </p:pic>
-      <p:pic>
-        <p:nvPicPr>
-          <p:cNvPr id="17" name="Picture 16" descr="Chart, line chart&#10;&#10;Description automatically generated">
-            <a:extLst>
-              <a:ext uri="{FF2B5EF4-FFF2-40B4-BE49-F238E27FC236}">
-                <a16:creationId xmlns:a16="http://schemas.microsoft.com/office/drawing/2014/main" id="{DAB0CB52-F423-6EC4-F270-545E0DF9742A}"/>
-              </a:ext>
-            </a:extLst>
-          </p:cNvPr>
-          <p:cNvPicPr>
-            <a:picLocks noChangeAspect="1"/>
-          </p:cNvPicPr>
-          <p:nvPr/>
-        </p:nvPicPr>
-        <p:blipFill>
-          <a:blip r:embed="rId3">
-            <a:extLst>
-              <a:ext uri="{28A0092B-C50C-407E-A947-70E740481C1C}">
-                <a14:useLocalDpi xmlns:a14="http://schemas.microsoft.com/office/drawing/2010/main" val="0"/>
-              </a:ext>
-            </a:extLst>
-          </a:blip>
-          <a:stretch>
-            <a:fillRect/>
-          </a:stretch>
-        </p:blipFill>
-        <p:spPr>
-          <a:xfrm>
-            <a:off x="6678483" y="1758787"/>
-            <a:ext cx="5445884" cy="3650108"/>
-          </a:xfrm>
-          <a:prstGeom prst="rect">
-            <a:avLst/>
-          </a:prstGeom>
-        </p:spPr>
-      </p:pic>
       <p:sp>
         <p:nvSpPr>
           <p:cNvPr id="19" name="Arrow: Down 18">
@@ -21890,6 +21818,78 @@
           </a:p>
         </p:txBody>
       </p:sp>
+      <p:pic>
+        <p:nvPicPr>
+          <p:cNvPr id="5" name="Picture 4" descr="Chart, line chart&#10;&#10;Description automatically generated">
+            <a:extLst>
+              <a:ext uri="{FF2B5EF4-FFF2-40B4-BE49-F238E27FC236}">
+                <a16:creationId xmlns:a16="http://schemas.microsoft.com/office/drawing/2014/main" id="{54C1B16F-C1FF-82DA-2842-734AC40145E0}"/>
+              </a:ext>
+            </a:extLst>
+          </p:cNvPr>
+          <p:cNvPicPr>
+            <a:picLocks noChangeAspect="1"/>
+          </p:cNvPicPr>
+          <p:nvPr/>
+        </p:nvPicPr>
+        <p:blipFill>
+          <a:blip r:embed="rId2">
+            <a:extLst>
+              <a:ext uri="{28A0092B-C50C-407E-A947-70E740481C1C}">
+                <a14:useLocalDpi xmlns:a14="http://schemas.microsoft.com/office/drawing/2010/main" val="0"/>
+              </a:ext>
+            </a:extLst>
+          </a:blip>
+          <a:stretch>
+            <a:fillRect/>
+          </a:stretch>
+        </p:blipFill>
+        <p:spPr>
+          <a:xfrm>
+            <a:off x="7370886" y="1758081"/>
+            <a:ext cx="4747671" cy="2888230"/>
+          </a:xfrm>
+          <a:prstGeom prst="rect">
+            <a:avLst/>
+          </a:prstGeom>
+        </p:spPr>
+      </p:pic>
+      <p:pic>
+        <p:nvPicPr>
+          <p:cNvPr id="9" name="Picture 8" descr="Table&#10;&#10;Description automatically generated with low confidence">
+            <a:extLst>
+              <a:ext uri="{FF2B5EF4-FFF2-40B4-BE49-F238E27FC236}">
+                <a16:creationId xmlns:a16="http://schemas.microsoft.com/office/drawing/2014/main" id="{F9CCA6E2-95A3-0802-3353-244C16047811}"/>
+              </a:ext>
+            </a:extLst>
+          </p:cNvPr>
+          <p:cNvPicPr>
+            <a:picLocks noChangeAspect="1"/>
+          </p:cNvPicPr>
+          <p:nvPr/>
+        </p:nvPicPr>
+        <p:blipFill>
+          <a:blip r:embed="rId3">
+            <a:extLst>
+              <a:ext uri="{28A0092B-C50C-407E-A947-70E740481C1C}">
+                <a14:useLocalDpi xmlns:a14="http://schemas.microsoft.com/office/drawing/2010/main" val="0"/>
+              </a:ext>
+            </a:extLst>
+          </a:blip>
+          <a:stretch>
+            <a:fillRect/>
+          </a:stretch>
+        </p:blipFill>
+        <p:spPr>
+          <a:xfrm>
+            <a:off x="89162" y="2663265"/>
+            <a:ext cx="7219373" cy="2966986"/>
+          </a:xfrm>
+          <a:prstGeom prst="rect">
+            <a:avLst/>
+          </a:prstGeom>
+        </p:spPr>
+      </p:pic>
     </p:spTree>
     <p:extLst>
       <p:ext uri="{BB962C8B-B14F-4D97-AF65-F5344CB8AC3E}">
